--- a/RETEX/template.pptx
+++ b/RETEX/template.pptx
@@ -104,6 +104,11 @@
       </a:defRPr>
     </a:lvl9pPr>
   </p:defaultTextStyle>
+  <p:extLst>
+    <p:ext uri="{EFAFB233-063F-42B5-8137-9DF3F51BA10A}">
+      <p15:sldGuideLst xmlns:p15="http://schemas.microsoft.com/office/powerpoint/2012/main"/>
+    </p:ext>
+  </p:extLst>
 </p:presentation>
 </file>
 
@@ -149,10 +154,9 @@
           </a:lstStyle>
           <a:p>
             <a:r>
-              <a:rPr lang="fr-FR" smtClean="0"/>
+              <a:rPr lang="fr-FR"/>
               <a:t>Modifiez le style du titre</a:t>
             </a:r>
-            <a:endParaRPr lang="fr-FR"/>
           </a:p>
         </p:txBody>
       </p:sp>
@@ -214,10 +218,9 @@
           </a:lstStyle>
           <a:p>
             <a:r>
-              <a:rPr lang="fr-FR" smtClean="0"/>
+              <a:rPr lang="fr-FR"/>
               <a:t>Modifier le style des sous-titres du masque</a:t>
             </a:r>
-            <a:endParaRPr lang="fr-FR"/>
           </a:p>
         </p:txBody>
       </p:sp>
@@ -238,7 +241,7 @@
           <a:p>
             <a:fld id="{CB44C220-8036-4CA1-9847-CBEE47DB7BC6}" type="datetimeFigureOut">
               <a:rPr lang="fr-FR" smtClean="0"/>
-              <a:t>25/03/2022</a:t>
+              <a:t>12/04/2022</a:t>
             </a:fld>
             <a:endParaRPr lang="fr-FR"/>
           </a:p>
@@ -332,10 +335,9 @@
           <a:lstStyle/>
           <a:p>
             <a:r>
-              <a:rPr lang="fr-FR" smtClean="0"/>
+              <a:rPr lang="fr-FR"/>
               <a:t>Modifiez le style du titre</a:t>
             </a:r>
-            <a:endParaRPr lang="fr-FR"/>
           </a:p>
         </p:txBody>
       </p:sp>
@@ -356,38 +358,37 @@
           <a:p>
             <a:pPr lvl="0"/>
             <a:r>
-              <a:rPr lang="fr-FR" smtClean="0"/>
+              <a:rPr lang="fr-FR"/>
               <a:t>Modifier les styles du texte du masque</a:t>
             </a:r>
           </a:p>
           <a:p>
             <a:pPr lvl="1"/>
             <a:r>
-              <a:rPr lang="fr-FR" smtClean="0"/>
+              <a:rPr lang="fr-FR"/>
               <a:t>Deuxième niveau</a:t>
             </a:r>
           </a:p>
           <a:p>
             <a:pPr lvl="2"/>
             <a:r>
-              <a:rPr lang="fr-FR" smtClean="0"/>
+              <a:rPr lang="fr-FR"/>
               <a:t>Troisième niveau</a:t>
             </a:r>
           </a:p>
           <a:p>
             <a:pPr lvl="3"/>
             <a:r>
-              <a:rPr lang="fr-FR" smtClean="0"/>
+              <a:rPr lang="fr-FR"/>
               <a:t>Quatrième niveau</a:t>
             </a:r>
           </a:p>
           <a:p>
             <a:pPr lvl="4"/>
             <a:r>
-              <a:rPr lang="fr-FR" smtClean="0"/>
+              <a:rPr lang="fr-FR"/>
               <a:t>Cinquième niveau</a:t>
             </a:r>
-            <a:endParaRPr lang="fr-FR"/>
           </a:p>
         </p:txBody>
       </p:sp>
@@ -408,7 +409,7 @@
           <a:p>
             <a:fld id="{CB44C220-8036-4CA1-9847-CBEE47DB7BC6}" type="datetimeFigureOut">
               <a:rPr lang="fr-FR" smtClean="0"/>
-              <a:t>25/03/2022</a:t>
+              <a:t>12/04/2022</a:t>
             </a:fld>
             <a:endParaRPr lang="fr-FR"/>
           </a:p>
@@ -507,10 +508,9 @@
           <a:lstStyle/>
           <a:p>
             <a:r>
-              <a:rPr lang="fr-FR" smtClean="0"/>
+              <a:rPr lang="fr-FR"/>
               <a:t>Modifiez le style du titre</a:t>
             </a:r>
-            <a:endParaRPr lang="fr-FR"/>
           </a:p>
         </p:txBody>
       </p:sp>
@@ -536,38 +536,37 @@
           <a:p>
             <a:pPr lvl="0"/>
             <a:r>
-              <a:rPr lang="fr-FR" smtClean="0"/>
+              <a:rPr lang="fr-FR"/>
               <a:t>Modifier les styles du texte du masque</a:t>
             </a:r>
           </a:p>
           <a:p>
             <a:pPr lvl="1"/>
             <a:r>
-              <a:rPr lang="fr-FR" smtClean="0"/>
+              <a:rPr lang="fr-FR"/>
               <a:t>Deuxième niveau</a:t>
             </a:r>
           </a:p>
           <a:p>
             <a:pPr lvl="2"/>
             <a:r>
-              <a:rPr lang="fr-FR" smtClean="0"/>
+              <a:rPr lang="fr-FR"/>
               <a:t>Troisième niveau</a:t>
             </a:r>
           </a:p>
           <a:p>
             <a:pPr lvl="3"/>
             <a:r>
-              <a:rPr lang="fr-FR" smtClean="0"/>
+              <a:rPr lang="fr-FR"/>
               <a:t>Quatrième niveau</a:t>
             </a:r>
           </a:p>
           <a:p>
             <a:pPr lvl="4"/>
             <a:r>
-              <a:rPr lang="fr-FR" smtClean="0"/>
+              <a:rPr lang="fr-FR"/>
               <a:t>Cinquième niveau</a:t>
             </a:r>
-            <a:endParaRPr lang="fr-FR"/>
           </a:p>
         </p:txBody>
       </p:sp>
@@ -588,7 +587,7 @@
           <a:p>
             <a:fld id="{CB44C220-8036-4CA1-9847-CBEE47DB7BC6}" type="datetimeFigureOut">
               <a:rPr lang="fr-FR" smtClean="0"/>
-              <a:t>25/03/2022</a:t>
+              <a:t>12/04/2022</a:t>
             </a:fld>
             <a:endParaRPr lang="fr-FR"/>
           </a:p>
@@ -682,10 +681,9 @@
           <a:lstStyle/>
           <a:p>
             <a:r>
-              <a:rPr lang="fr-FR" smtClean="0"/>
+              <a:rPr lang="fr-FR"/>
               <a:t>Modifiez le style du titre</a:t>
             </a:r>
-            <a:endParaRPr lang="fr-FR"/>
           </a:p>
         </p:txBody>
       </p:sp>
@@ -706,38 +704,37 @@
           <a:p>
             <a:pPr lvl="0"/>
             <a:r>
-              <a:rPr lang="fr-FR" smtClean="0"/>
+              <a:rPr lang="fr-FR"/>
               <a:t>Modifier les styles du texte du masque</a:t>
             </a:r>
           </a:p>
           <a:p>
             <a:pPr lvl="1"/>
             <a:r>
-              <a:rPr lang="fr-FR" smtClean="0"/>
+              <a:rPr lang="fr-FR"/>
               <a:t>Deuxième niveau</a:t>
             </a:r>
           </a:p>
           <a:p>
             <a:pPr lvl="2"/>
             <a:r>
-              <a:rPr lang="fr-FR" smtClean="0"/>
+              <a:rPr lang="fr-FR"/>
               <a:t>Troisième niveau</a:t>
             </a:r>
           </a:p>
           <a:p>
             <a:pPr lvl="3"/>
             <a:r>
-              <a:rPr lang="fr-FR" smtClean="0"/>
+              <a:rPr lang="fr-FR"/>
               <a:t>Quatrième niveau</a:t>
             </a:r>
           </a:p>
           <a:p>
             <a:pPr lvl="4"/>
             <a:r>
-              <a:rPr lang="fr-FR" smtClean="0"/>
+              <a:rPr lang="fr-FR"/>
               <a:t>Cinquième niveau</a:t>
             </a:r>
-            <a:endParaRPr lang="fr-FR"/>
           </a:p>
         </p:txBody>
       </p:sp>
@@ -758,7 +755,7 @@
           <a:p>
             <a:fld id="{CB44C220-8036-4CA1-9847-CBEE47DB7BC6}" type="datetimeFigureOut">
               <a:rPr lang="fr-FR" smtClean="0"/>
-              <a:t>25/03/2022</a:t>
+              <a:t>12/04/2022</a:t>
             </a:fld>
             <a:endParaRPr lang="fr-FR"/>
           </a:p>
@@ -861,10 +858,9 @@
           </a:lstStyle>
           <a:p>
             <a:r>
-              <a:rPr lang="fr-FR" smtClean="0"/>
+              <a:rPr lang="fr-FR"/>
               <a:t>Modifiez le style du titre</a:t>
             </a:r>
-            <a:endParaRPr lang="fr-FR"/>
           </a:p>
         </p:txBody>
       </p:sp>
@@ -981,7 +977,7 @@
           <a:p>
             <a:pPr lvl="0"/>
             <a:r>
-              <a:rPr lang="fr-FR" smtClean="0"/>
+              <a:rPr lang="fr-FR"/>
               <a:t>Modifier les styles du texte du masque</a:t>
             </a:r>
           </a:p>
@@ -1004,7 +1000,7 @@
           <a:p>
             <a:fld id="{CB44C220-8036-4CA1-9847-CBEE47DB7BC6}" type="datetimeFigureOut">
               <a:rPr lang="fr-FR" smtClean="0"/>
-              <a:t>25/03/2022</a:t>
+              <a:t>12/04/2022</a:t>
             </a:fld>
             <a:endParaRPr lang="fr-FR"/>
           </a:p>
@@ -1098,10 +1094,9 @@
           <a:lstStyle/>
           <a:p>
             <a:r>
-              <a:rPr lang="fr-FR" smtClean="0"/>
+              <a:rPr lang="fr-FR"/>
               <a:t>Modifiez le style du titre</a:t>
             </a:r>
-            <a:endParaRPr lang="fr-FR"/>
           </a:p>
         </p:txBody>
       </p:sp>
@@ -1127,38 +1122,37 @@
           <a:p>
             <a:pPr lvl="0"/>
             <a:r>
-              <a:rPr lang="fr-FR" smtClean="0"/>
+              <a:rPr lang="fr-FR"/>
               <a:t>Modifier les styles du texte du masque</a:t>
             </a:r>
           </a:p>
           <a:p>
             <a:pPr lvl="1"/>
             <a:r>
-              <a:rPr lang="fr-FR" smtClean="0"/>
+              <a:rPr lang="fr-FR"/>
               <a:t>Deuxième niveau</a:t>
             </a:r>
           </a:p>
           <a:p>
             <a:pPr lvl="2"/>
             <a:r>
-              <a:rPr lang="fr-FR" smtClean="0"/>
+              <a:rPr lang="fr-FR"/>
               <a:t>Troisième niveau</a:t>
             </a:r>
           </a:p>
           <a:p>
             <a:pPr lvl="3"/>
             <a:r>
-              <a:rPr lang="fr-FR" smtClean="0"/>
+              <a:rPr lang="fr-FR"/>
               <a:t>Quatrième niveau</a:t>
             </a:r>
           </a:p>
           <a:p>
             <a:pPr lvl="4"/>
             <a:r>
-              <a:rPr lang="fr-FR" smtClean="0"/>
+              <a:rPr lang="fr-FR"/>
               <a:t>Cinquième niveau</a:t>
             </a:r>
-            <a:endParaRPr lang="fr-FR"/>
           </a:p>
         </p:txBody>
       </p:sp>
@@ -1184,38 +1178,37 @@
           <a:p>
             <a:pPr lvl="0"/>
             <a:r>
-              <a:rPr lang="fr-FR" smtClean="0"/>
+              <a:rPr lang="fr-FR"/>
               <a:t>Modifier les styles du texte du masque</a:t>
             </a:r>
           </a:p>
           <a:p>
             <a:pPr lvl="1"/>
             <a:r>
-              <a:rPr lang="fr-FR" smtClean="0"/>
+              <a:rPr lang="fr-FR"/>
               <a:t>Deuxième niveau</a:t>
             </a:r>
           </a:p>
           <a:p>
             <a:pPr lvl="2"/>
             <a:r>
-              <a:rPr lang="fr-FR" smtClean="0"/>
+              <a:rPr lang="fr-FR"/>
               <a:t>Troisième niveau</a:t>
             </a:r>
           </a:p>
           <a:p>
             <a:pPr lvl="3"/>
             <a:r>
-              <a:rPr lang="fr-FR" smtClean="0"/>
+              <a:rPr lang="fr-FR"/>
               <a:t>Quatrième niveau</a:t>
             </a:r>
           </a:p>
           <a:p>
             <a:pPr lvl="4"/>
             <a:r>
-              <a:rPr lang="fr-FR" smtClean="0"/>
+              <a:rPr lang="fr-FR"/>
               <a:t>Cinquième niveau</a:t>
             </a:r>
-            <a:endParaRPr lang="fr-FR"/>
           </a:p>
         </p:txBody>
       </p:sp>
@@ -1236,7 +1229,7 @@
           <a:p>
             <a:fld id="{CB44C220-8036-4CA1-9847-CBEE47DB7BC6}" type="datetimeFigureOut">
               <a:rPr lang="fr-FR" smtClean="0"/>
-              <a:t>25/03/2022</a:t>
+              <a:t>12/04/2022</a:t>
             </a:fld>
             <a:endParaRPr lang="fr-FR"/>
           </a:p>
@@ -1335,10 +1328,9 @@
           <a:lstStyle/>
           <a:p>
             <a:r>
-              <a:rPr lang="fr-FR" smtClean="0"/>
+              <a:rPr lang="fr-FR"/>
               <a:t>Modifiez le style du titre</a:t>
             </a:r>
-            <a:endParaRPr lang="fr-FR"/>
           </a:p>
         </p:txBody>
       </p:sp>
@@ -1401,7 +1393,7 @@
           <a:p>
             <a:pPr lvl="0"/>
             <a:r>
-              <a:rPr lang="fr-FR" smtClean="0"/>
+              <a:rPr lang="fr-FR"/>
               <a:t>Modifier les styles du texte du masque</a:t>
             </a:r>
           </a:p>
@@ -1429,38 +1421,37 @@
           <a:p>
             <a:pPr lvl="0"/>
             <a:r>
-              <a:rPr lang="fr-FR" smtClean="0"/>
+              <a:rPr lang="fr-FR"/>
               <a:t>Modifier les styles du texte du masque</a:t>
             </a:r>
           </a:p>
           <a:p>
             <a:pPr lvl="1"/>
             <a:r>
-              <a:rPr lang="fr-FR" smtClean="0"/>
+              <a:rPr lang="fr-FR"/>
               <a:t>Deuxième niveau</a:t>
             </a:r>
           </a:p>
           <a:p>
             <a:pPr lvl="2"/>
             <a:r>
-              <a:rPr lang="fr-FR" smtClean="0"/>
+              <a:rPr lang="fr-FR"/>
               <a:t>Troisième niveau</a:t>
             </a:r>
           </a:p>
           <a:p>
             <a:pPr lvl="3"/>
             <a:r>
-              <a:rPr lang="fr-FR" smtClean="0"/>
+              <a:rPr lang="fr-FR"/>
               <a:t>Quatrième niveau</a:t>
             </a:r>
           </a:p>
           <a:p>
             <a:pPr lvl="4"/>
             <a:r>
-              <a:rPr lang="fr-FR" smtClean="0"/>
+              <a:rPr lang="fr-FR"/>
               <a:t>Cinquième niveau</a:t>
             </a:r>
-            <a:endParaRPr lang="fr-FR"/>
           </a:p>
         </p:txBody>
       </p:sp>
@@ -1523,7 +1514,7 @@
           <a:p>
             <a:pPr lvl="0"/>
             <a:r>
-              <a:rPr lang="fr-FR" smtClean="0"/>
+              <a:rPr lang="fr-FR"/>
               <a:t>Modifier les styles du texte du masque</a:t>
             </a:r>
           </a:p>
@@ -1551,38 +1542,37 @@
           <a:p>
             <a:pPr lvl="0"/>
             <a:r>
-              <a:rPr lang="fr-FR" smtClean="0"/>
+              <a:rPr lang="fr-FR"/>
               <a:t>Modifier les styles du texte du masque</a:t>
             </a:r>
           </a:p>
           <a:p>
             <a:pPr lvl="1"/>
             <a:r>
-              <a:rPr lang="fr-FR" smtClean="0"/>
+              <a:rPr lang="fr-FR"/>
               <a:t>Deuxième niveau</a:t>
             </a:r>
           </a:p>
           <a:p>
             <a:pPr lvl="2"/>
             <a:r>
-              <a:rPr lang="fr-FR" smtClean="0"/>
+              <a:rPr lang="fr-FR"/>
               <a:t>Troisième niveau</a:t>
             </a:r>
           </a:p>
           <a:p>
             <a:pPr lvl="3"/>
             <a:r>
-              <a:rPr lang="fr-FR" smtClean="0"/>
+              <a:rPr lang="fr-FR"/>
               <a:t>Quatrième niveau</a:t>
             </a:r>
           </a:p>
           <a:p>
             <a:pPr lvl="4"/>
             <a:r>
-              <a:rPr lang="fr-FR" smtClean="0"/>
+              <a:rPr lang="fr-FR"/>
               <a:t>Cinquième niveau</a:t>
             </a:r>
-            <a:endParaRPr lang="fr-FR"/>
           </a:p>
         </p:txBody>
       </p:sp>
@@ -1603,7 +1593,7 @@
           <a:p>
             <a:fld id="{CB44C220-8036-4CA1-9847-CBEE47DB7BC6}" type="datetimeFigureOut">
               <a:rPr lang="fr-FR" smtClean="0"/>
-              <a:t>25/03/2022</a:t>
+              <a:t>12/04/2022</a:t>
             </a:fld>
             <a:endParaRPr lang="fr-FR"/>
           </a:p>
@@ -1697,10 +1687,9 @@
           <a:lstStyle/>
           <a:p>
             <a:r>
-              <a:rPr lang="fr-FR" smtClean="0"/>
+              <a:rPr lang="fr-FR"/>
               <a:t>Modifiez le style du titre</a:t>
             </a:r>
-            <a:endParaRPr lang="fr-FR"/>
           </a:p>
         </p:txBody>
       </p:sp>
@@ -1721,7 +1710,7 @@
           <a:p>
             <a:fld id="{CB44C220-8036-4CA1-9847-CBEE47DB7BC6}" type="datetimeFigureOut">
               <a:rPr lang="fr-FR" smtClean="0"/>
-              <a:t>25/03/2022</a:t>
+              <a:t>12/04/2022</a:t>
             </a:fld>
             <a:endParaRPr lang="fr-FR"/>
           </a:p>
@@ -1816,7 +1805,7 @@
           <a:p>
             <a:fld id="{CB44C220-8036-4CA1-9847-CBEE47DB7BC6}" type="datetimeFigureOut">
               <a:rPr lang="fr-FR" smtClean="0"/>
-              <a:t>25/03/2022</a:t>
+              <a:t>12/04/2022</a:t>
             </a:fld>
             <a:endParaRPr lang="fr-FR"/>
           </a:p>
@@ -1919,10 +1908,9 @@
           </a:lstStyle>
           <a:p>
             <a:r>
-              <a:rPr lang="fr-FR" smtClean="0"/>
+              <a:rPr lang="fr-FR"/>
               <a:t>Modifiez le style du titre</a:t>
             </a:r>
-            <a:endParaRPr lang="fr-FR"/>
           </a:p>
         </p:txBody>
       </p:sp>
@@ -1976,38 +1964,37 @@
           <a:p>
             <a:pPr lvl="0"/>
             <a:r>
-              <a:rPr lang="fr-FR" smtClean="0"/>
+              <a:rPr lang="fr-FR"/>
               <a:t>Modifier les styles du texte du masque</a:t>
             </a:r>
           </a:p>
           <a:p>
             <a:pPr lvl="1"/>
             <a:r>
-              <a:rPr lang="fr-FR" smtClean="0"/>
+              <a:rPr lang="fr-FR"/>
               <a:t>Deuxième niveau</a:t>
             </a:r>
           </a:p>
           <a:p>
             <a:pPr lvl="2"/>
             <a:r>
-              <a:rPr lang="fr-FR" smtClean="0"/>
+              <a:rPr lang="fr-FR"/>
               <a:t>Troisième niveau</a:t>
             </a:r>
           </a:p>
           <a:p>
             <a:pPr lvl="3"/>
             <a:r>
-              <a:rPr lang="fr-FR" smtClean="0"/>
+              <a:rPr lang="fr-FR"/>
               <a:t>Quatrième niveau</a:t>
             </a:r>
           </a:p>
           <a:p>
             <a:pPr lvl="4"/>
             <a:r>
-              <a:rPr lang="fr-FR" smtClean="0"/>
+              <a:rPr lang="fr-FR"/>
               <a:t>Cinquième niveau</a:t>
             </a:r>
-            <a:endParaRPr lang="fr-FR"/>
           </a:p>
         </p:txBody>
       </p:sp>
@@ -2070,7 +2057,7 @@
           <a:p>
             <a:pPr lvl="0"/>
             <a:r>
-              <a:rPr lang="fr-FR" smtClean="0"/>
+              <a:rPr lang="fr-FR"/>
               <a:t>Modifier les styles du texte du masque</a:t>
             </a:r>
           </a:p>
@@ -2093,7 +2080,7 @@
           <a:p>
             <a:fld id="{CB44C220-8036-4CA1-9847-CBEE47DB7BC6}" type="datetimeFigureOut">
               <a:rPr lang="fr-FR" smtClean="0"/>
-              <a:t>25/03/2022</a:t>
+              <a:t>12/04/2022</a:t>
             </a:fld>
             <a:endParaRPr lang="fr-FR"/>
           </a:p>
@@ -2196,10 +2183,9 @@
           </a:lstStyle>
           <a:p>
             <a:r>
-              <a:rPr lang="fr-FR" smtClean="0"/>
+              <a:rPr lang="fr-FR"/>
               <a:t>Modifiez le style du titre</a:t>
             </a:r>
-            <a:endParaRPr lang="fr-FR"/>
           </a:p>
         </p:txBody>
       </p:sp>
@@ -2323,7 +2309,7 @@
           <a:p>
             <a:pPr lvl="0"/>
             <a:r>
-              <a:rPr lang="fr-FR" smtClean="0"/>
+              <a:rPr lang="fr-FR"/>
               <a:t>Modifier les styles du texte du masque</a:t>
             </a:r>
           </a:p>
@@ -2346,7 +2332,7 @@
           <a:p>
             <a:fld id="{CB44C220-8036-4CA1-9847-CBEE47DB7BC6}" type="datetimeFigureOut">
               <a:rPr lang="fr-FR" smtClean="0"/>
-              <a:t>25/03/2022</a:t>
+              <a:t>12/04/2022</a:t>
             </a:fld>
             <a:endParaRPr lang="fr-FR"/>
           </a:p>
@@ -2455,10 +2441,9 @@
           <a:lstStyle/>
           <a:p>
             <a:r>
-              <a:rPr lang="fr-FR" smtClean="0"/>
+              <a:rPr lang="fr-FR"/>
               <a:t>Modifiez le style du titre</a:t>
             </a:r>
-            <a:endParaRPr lang="fr-FR"/>
           </a:p>
         </p:txBody>
       </p:sp>
@@ -2489,38 +2474,37 @@
           <a:p>
             <a:pPr lvl="0"/>
             <a:r>
-              <a:rPr lang="fr-FR" smtClean="0"/>
+              <a:rPr lang="fr-FR"/>
               <a:t>Modifier les styles du texte du masque</a:t>
             </a:r>
           </a:p>
           <a:p>
             <a:pPr lvl="1"/>
             <a:r>
-              <a:rPr lang="fr-FR" smtClean="0"/>
+              <a:rPr lang="fr-FR"/>
               <a:t>Deuxième niveau</a:t>
             </a:r>
           </a:p>
           <a:p>
             <a:pPr lvl="2"/>
             <a:r>
-              <a:rPr lang="fr-FR" smtClean="0"/>
+              <a:rPr lang="fr-FR"/>
               <a:t>Troisième niveau</a:t>
             </a:r>
           </a:p>
           <a:p>
             <a:pPr lvl="3"/>
             <a:r>
-              <a:rPr lang="fr-FR" smtClean="0"/>
+              <a:rPr lang="fr-FR"/>
               <a:t>Quatrième niveau</a:t>
             </a:r>
           </a:p>
           <a:p>
             <a:pPr lvl="4"/>
             <a:r>
-              <a:rPr lang="fr-FR" smtClean="0"/>
+              <a:rPr lang="fr-FR"/>
               <a:t>Cinquième niveau</a:t>
             </a:r>
-            <a:endParaRPr lang="fr-FR"/>
           </a:p>
         </p:txBody>
       </p:sp>
@@ -2559,7 +2543,7 @@
           <a:p>
             <a:fld id="{CB44C220-8036-4CA1-9847-CBEE47DB7BC6}" type="datetimeFigureOut">
               <a:rPr lang="fr-FR" smtClean="0"/>
-              <a:t>25/03/2022</a:t>
+              <a:t>12/04/2022</a:t>
             </a:fld>
             <a:endParaRPr lang="fr-FR"/>
           </a:p>
@@ -3064,7 +3048,7 @@
           </a:p>
         </p:txBody>
       </p:sp>
-      <p:sp useBgFill="1">
+      <p:sp>
         <p:nvSpPr>
           <p:cNvPr id="6" name="Rectangle 5"/>
           <p:cNvSpPr/>
@@ -3078,6 +3062,7 @@
           <a:prstGeom prst="rect">
             <a:avLst/>
           </a:prstGeom>
+          <a:noFill/>
         </p:spPr>
         <p:txBody>
           <a:bodyPr wrap="square">
@@ -3087,7 +3072,7 @@
           <a:p>
             <a:pPr algn="ctr"/>
             <a:r>
-              <a:rPr lang="fr-FR" b="1" dirty="0" smtClean="0">
+              <a:rPr lang="fr-FR" b="1" dirty="0">
                 <a:solidFill>
                   <a:schemeClr val="bg1"/>
                 </a:solidFill>
@@ -3103,7 +3088,7 @@
           </a:p>
         </p:txBody>
       </p:sp>
-      <p:sp useBgFill="1">
+      <p:sp>
         <p:nvSpPr>
           <p:cNvPr id="7" name="Rectangle 6"/>
           <p:cNvSpPr/>
@@ -3117,6 +3102,7 @@
           <a:prstGeom prst="rect">
             <a:avLst/>
           </a:prstGeom>
+          <a:noFill/>
         </p:spPr>
         <p:txBody>
           <a:bodyPr wrap="square">
@@ -3126,22 +3112,17 @@
           <a:p>
             <a:pPr algn="ctr"/>
             <a:r>
-              <a:rPr lang="fr-FR" b="1" dirty="0" smtClean="0">
+              <a:rPr lang="fr-FR" b="1" dirty="0">
                 <a:solidFill>
                   <a:schemeClr val="bg1"/>
                 </a:solidFill>
               </a:rPr>
               <a:t>COMPÉTENCES DÉVELOPPÉES</a:t>
             </a:r>
-            <a:endParaRPr lang="fr-FR" b="1" dirty="0">
-              <a:solidFill>
-                <a:schemeClr val="bg1"/>
-              </a:solidFill>
-            </a:endParaRPr>
-          </a:p>
-        </p:txBody>
-      </p:sp>
-      <p:sp useBgFill="1">
+          </a:p>
+        </p:txBody>
+      </p:sp>
+      <p:sp>
         <p:nvSpPr>
           <p:cNvPr id="8" name="Rectangle 7"/>
           <p:cNvSpPr/>
@@ -3155,6 +3136,7 @@
           <a:prstGeom prst="rect">
             <a:avLst/>
           </a:prstGeom>
+          <a:noFill/>
         </p:spPr>
         <p:txBody>
           <a:bodyPr wrap="square">
@@ -3164,7 +3146,7 @@
           <a:p>
             <a:pPr algn="ctr"/>
             <a:r>
-              <a:rPr lang="fr-FR" b="1" dirty="0" smtClean="0">
+              <a:rPr lang="fr-FR" b="1" dirty="0">
                 <a:solidFill>
                   <a:schemeClr val="bg1"/>
                 </a:solidFill>
@@ -3180,7 +3162,7 @@
           </a:p>
         </p:txBody>
       </p:sp>
-      <p:sp useBgFill="1">
+      <p:sp>
         <p:nvSpPr>
           <p:cNvPr id="9" name="Rectangle 8"/>
           <p:cNvSpPr/>
@@ -3194,6 +3176,7 @@
           <a:prstGeom prst="rect">
             <a:avLst/>
           </a:prstGeom>
+          <a:noFill/>
         </p:spPr>
         <p:txBody>
           <a:bodyPr wrap="square">
@@ -3203,7 +3186,7 @@
           <a:p>
             <a:pPr algn="ctr"/>
             <a:r>
-              <a:rPr lang="fr-FR" b="1" dirty="0" smtClean="0">
+              <a:rPr lang="fr-FR" b="1" dirty="0">
                 <a:solidFill>
                   <a:schemeClr val="bg1"/>
                 </a:solidFill>
@@ -3242,7 +3225,7 @@
           <a:lstStyle/>
           <a:p>
             <a:r>
-              <a:rPr lang="fr-FR" sz="3600" b="1" dirty="0" smtClean="0">
+              <a:rPr lang="fr-FR" sz="3600" b="1" dirty="0">
                 <a:solidFill>
                   <a:schemeClr val="bg1"/>
                 </a:solidFill>
@@ -3265,7 +3248,7 @@
         </p:nvSpPr>
         <p:spPr>
           <a:xfrm>
-            <a:off x="21236" y="3586917"/>
+            <a:off x="0" y="3527147"/>
             <a:ext cx="12192002" cy="45719"/>
           </a:xfrm>
           <a:prstGeom prst="rect">
@@ -3300,6 +3283,151 @@
           <a:p>
             <a:pPr algn="ctr"/>
             <a:endParaRPr lang="fr-FR"/>
+          </a:p>
+        </p:txBody>
+      </p:sp>
+      <p:sp>
+        <p:nvSpPr>
+          <p:cNvPr id="13" name="Rectangle 12">
+            <a:extLst>
+              <a:ext uri="{FF2B5EF4-FFF2-40B4-BE49-F238E27FC236}">
+                <a16:creationId xmlns:a16="http://schemas.microsoft.com/office/drawing/2014/main" id="{85B347C9-66DD-4AD5-8E88-8BB20B3B8718}"/>
+              </a:ext>
+            </a:extLst>
+          </p:cNvPr>
+          <p:cNvSpPr/>
+          <p:nvPr/>
+        </p:nvSpPr>
+        <p:spPr>
+          <a:xfrm>
+            <a:off x="89815" y="1458041"/>
+            <a:ext cx="6074763" cy="369332"/>
+          </a:xfrm>
+          <a:prstGeom prst="rect">
+            <a:avLst/>
+          </a:prstGeom>
+          <a:noFill/>
+        </p:spPr>
+        <p:txBody>
+          <a:bodyPr wrap="square">
+            <a:spAutoFit/>
+          </a:bodyPr>
+          <a:lstStyle/>
+          <a:p>
+            <a:pPr algn="ctr"/>
+            <a:r>
+              <a:rPr lang="fr-FR" b="0" i="0" dirty="0">
+                <a:solidFill>
+                  <a:schemeClr val="bg1"/>
+                </a:solidFill>
+                <a:effectLst/>
+                <a:latin typeface="Poppins"/>
+              </a:rPr>
+              <a:t>texte</a:t>
+            </a:r>
+            <a:endParaRPr lang="fr-FR" b="1" u="sng" dirty="0">
+              <a:solidFill>
+                <a:schemeClr val="bg1"/>
+              </a:solidFill>
+            </a:endParaRPr>
+          </a:p>
+        </p:txBody>
+      </p:sp>
+      <p:sp>
+        <p:nvSpPr>
+          <p:cNvPr id="16" name="Rectangle 15">
+            <a:extLst>
+              <a:ext uri="{FF2B5EF4-FFF2-40B4-BE49-F238E27FC236}">
+                <a16:creationId xmlns:a16="http://schemas.microsoft.com/office/drawing/2014/main" id="{315C5202-06F6-41F6-B109-AC4A38A6439C}"/>
+              </a:ext>
+            </a:extLst>
+          </p:cNvPr>
+          <p:cNvSpPr/>
+          <p:nvPr/>
+        </p:nvSpPr>
+        <p:spPr>
+          <a:xfrm>
+            <a:off x="-38346" y="3955305"/>
+            <a:ext cx="6074763" cy="369332"/>
+          </a:xfrm>
+          <a:prstGeom prst="rect">
+            <a:avLst/>
+          </a:prstGeom>
+          <a:noFill/>
+          <a:ln>
+            <a:noFill/>
+          </a:ln>
+        </p:spPr>
+        <p:txBody>
+          <a:bodyPr wrap="square">
+            <a:spAutoFit/>
+          </a:bodyPr>
+          <a:lstStyle/>
+          <a:p>
+            <a:pPr algn="ctr"/>
+            <a:r>
+              <a:rPr lang="fr-FR" dirty="0">
+                <a:solidFill>
+                  <a:schemeClr val="bg1"/>
+                </a:solidFill>
+                <a:latin typeface="Poppins"/>
+              </a:rPr>
+              <a:t>texte</a:t>
+            </a:r>
+            <a:endParaRPr lang="fr-FR" b="1" u="sng" dirty="0">
+              <a:solidFill>
+                <a:schemeClr val="bg1"/>
+              </a:solidFill>
+            </a:endParaRPr>
+          </a:p>
+        </p:txBody>
+      </p:sp>
+      <p:sp>
+        <p:nvSpPr>
+          <p:cNvPr id="19" name="Rectangle 18">
+            <a:extLst>
+              <a:ext uri="{FF2B5EF4-FFF2-40B4-BE49-F238E27FC236}">
+                <a16:creationId xmlns:a16="http://schemas.microsoft.com/office/drawing/2014/main" id="{2ACEFF6A-0D3B-474C-93A6-1C9ABEEFCEB8}"/>
+              </a:ext>
+            </a:extLst>
+          </p:cNvPr>
+          <p:cNvSpPr/>
+          <p:nvPr/>
+        </p:nvSpPr>
+        <p:spPr>
+          <a:xfrm>
+            <a:off x="6071518" y="954913"/>
+            <a:ext cx="6074763" cy="369332"/>
+          </a:xfrm>
+          <a:prstGeom prst="rect">
+            <a:avLst/>
+          </a:prstGeom>
+          <a:noFill/>
+          <a:ln>
+            <a:noFill/>
+          </a:ln>
+        </p:spPr>
+        <p:txBody>
+          <a:bodyPr wrap="square">
+            <a:spAutoFit/>
+          </a:bodyPr>
+          <a:lstStyle/>
+          <a:p>
+            <a:pPr algn="ctr"/>
+            <a:r>
+              <a:rPr lang="fr-FR" dirty="0">
+                <a:solidFill>
+                  <a:schemeClr val="bg1"/>
+                </a:solidFill>
+                <a:latin typeface="Poppins"/>
+              </a:rPr>
+              <a:t>texte</a:t>
+            </a:r>
+            <a:endParaRPr lang="fr-FR" b="1" u="sng" dirty="0">
+              <a:solidFill>
+                <a:schemeClr val="bg1"/>
+              </a:solidFill>
+            </a:endParaRPr>
           </a:p>
         </p:txBody>
       </p:sp>
